--- a/Presentation.pptx
+++ b/Presentation.pptx
@@ -18,15 +18,17 @@
     <p:sldId id="267" r:id="rId12"/>
     <p:sldId id="268" r:id="rId13"/>
     <p:sldId id="269" r:id="rId14"/>
-    <p:sldId id="270" r:id="rId15"/>
-    <p:sldId id="271" r:id="rId16"/>
-    <p:sldId id="272" r:id="rId17"/>
-    <p:sldId id="273" r:id="rId18"/>
-    <p:sldId id="274" r:id="rId19"/>
-    <p:sldId id="275" r:id="rId20"/>
-    <p:sldId id="276" r:id="rId21"/>
-    <p:sldId id="277" r:id="rId22"/>
-    <p:sldId id="278" r:id="rId23"/>
+    <p:sldId id="279" r:id="rId15"/>
+    <p:sldId id="270" r:id="rId16"/>
+    <p:sldId id="271" r:id="rId17"/>
+    <p:sldId id="272" r:id="rId18"/>
+    <p:sldId id="273" r:id="rId19"/>
+    <p:sldId id="274" r:id="rId20"/>
+    <p:sldId id="275" r:id="rId21"/>
+    <p:sldId id="276" r:id="rId22"/>
+    <p:sldId id="277" r:id="rId23"/>
+    <p:sldId id="280" r:id="rId24"/>
+    <p:sldId id="278" r:id="rId25"/>
   </p:sldIdLst>
   <p:sldSz cx="12192000" cy="6858000"/>
   <p:notesSz cx="6858000" cy="9144000"/>
@@ -379,7 +381,7 @@
             <a:fld id="{B61BEF0D-F0BB-DE4B-95CE-6DB70DBA9567}" type="datetimeFigureOut">
               <a:rPr lang="en-US" dirty="0"/>
               <a:pPr/>
-              <a:t>8/27/2023</a:t>
+              <a:t>8/30/2023</a:t>
             </a:fld>
             <a:endParaRPr lang="en-US" dirty="0"/>
           </a:p>
@@ -638,7 +640,7 @@
             <a:fld id="{B61BEF0D-F0BB-DE4B-95CE-6DB70DBA9567}" type="datetimeFigureOut">
               <a:rPr lang="en-US" dirty="0"/>
               <a:pPr/>
-              <a:t>8/27/2023</a:t>
+              <a:t>8/30/2023</a:t>
             </a:fld>
             <a:endParaRPr lang="en-US" dirty="0"/>
           </a:p>
@@ -870,7 +872,7 @@
             <a:fld id="{B61BEF0D-F0BB-DE4B-95CE-6DB70DBA9567}" type="datetimeFigureOut">
               <a:rPr lang="en-US" dirty="0"/>
               <a:pPr/>
-              <a:t>8/27/2023</a:t>
+              <a:t>8/30/2023</a:t>
             </a:fld>
             <a:endParaRPr lang="en-US" dirty="0"/>
           </a:p>
@@ -1107,7 +1109,7 @@
             <a:fld id="{B61BEF0D-F0BB-DE4B-95CE-6DB70DBA9567}" type="datetimeFigureOut">
               <a:rPr lang="en-US" dirty="0"/>
               <a:pPr/>
-              <a:t>8/27/2023</a:t>
+              <a:t>8/30/2023</a:t>
             </a:fld>
             <a:endParaRPr lang="en-US" dirty="0"/>
           </a:p>
@@ -1411,7 +1413,7 @@
             <a:fld id="{B61BEF0D-F0BB-DE4B-95CE-6DB70DBA9567}" type="datetimeFigureOut">
               <a:rPr lang="en-US" dirty="0"/>
               <a:pPr/>
-              <a:t>8/27/2023</a:t>
+              <a:t>8/30/2023</a:t>
             </a:fld>
             <a:endParaRPr lang="en-US" dirty="0"/>
           </a:p>
@@ -1710,7 +1712,7 @@
             <a:fld id="{B61BEF0D-F0BB-DE4B-95CE-6DB70DBA9567}" type="datetimeFigureOut">
               <a:rPr lang="en-US" dirty="0"/>
               <a:pPr/>
-              <a:t>8/27/2023</a:t>
+              <a:t>8/30/2023</a:t>
             </a:fld>
             <a:endParaRPr lang="en-US" dirty="0"/>
           </a:p>
@@ -2129,7 +2131,7 @@
             <a:fld id="{B61BEF0D-F0BB-DE4B-95CE-6DB70DBA9567}" type="datetimeFigureOut">
               <a:rPr lang="en-US" dirty="0"/>
               <a:pPr/>
-              <a:t>8/27/2023</a:t>
+              <a:t>8/30/2023</a:t>
             </a:fld>
             <a:endParaRPr lang="en-US" dirty="0"/>
           </a:p>
@@ -2288,7 +2290,7 @@
             <a:fld id="{B61BEF0D-F0BB-DE4B-95CE-6DB70DBA9567}" type="datetimeFigureOut">
               <a:rPr lang="en-US" dirty="0"/>
               <a:pPr/>
-              <a:t>8/27/2023</a:t>
+              <a:t>8/30/2023</a:t>
             </a:fld>
             <a:endParaRPr lang="en-US" dirty="0"/>
           </a:p>
@@ -2380,7 +2382,7 @@
             <a:fld id="{B61BEF0D-F0BB-DE4B-95CE-6DB70DBA9567}" type="datetimeFigureOut">
               <a:rPr lang="en-US" dirty="0"/>
               <a:pPr/>
-              <a:t>8/27/2023</a:t>
+              <a:t>8/30/2023</a:t>
             </a:fld>
             <a:endParaRPr lang="en-US" dirty="0"/>
           </a:p>
@@ -2755,7 +2757,7 @@
             <a:fld id="{B61BEF0D-F0BB-DE4B-95CE-6DB70DBA9567}" type="datetimeFigureOut">
               <a:rPr lang="en-US" dirty="0"/>
               <a:pPr/>
-              <a:t>8/27/2023</a:t>
+              <a:t>8/30/2023</a:t>
             </a:fld>
             <a:endParaRPr lang="en-US" dirty="0"/>
           </a:p>
@@ -3041,7 +3043,7 @@
             <a:fld id="{B61BEF0D-F0BB-DE4B-95CE-6DB70DBA9567}" type="datetimeFigureOut">
               <a:rPr lang="en-US" dirty="0"/>
               <a:pPr/>
-              <a:t>8/27/2023</a:t>
+              <a:t>8/30/2023</a:t>
             </a:fld>
             <a:endParaRPr lang="en-US" dirty="0"/>
           </a:p>
@@ -3249,7 +3251,7 @@
             <a:fld id="{B61BEF0D-F0BB-DE4B-95CE-6DB70DBA9567}" type="datetimeFigureOut">
               <a:rPr lang="en-US" dirty="0"/>
               <a:pPr/>
-              <a:t>8/27/2023</a:t>
+              <a:t>8/30/2023</a:t>
             </a:fld>
             <a:endParaRPr lang="en-US" dirty="0"/>
           </a:p>
@@ -4611,49 +4613,301 @@
           <a:lstStyle/>
           <a:p>
             <a:r>
-              <a:rPr lang="en-US" dirty="0" err="1" smtClean="0"/>
-              <a:t>klasifikacija</a:t>
-            </a:r>
-            <a:endParaRPr lang="en-US" dirty="0"/>
+              <a:rPr lang="sr-Latn-RS" dirty="0" smtClean="0"/>
+              <a:t>Klasifikacija-svm</a:t>
+            </a:r>
+            <a:endParaRPr lang="en-US" dirty="0"/>
+          </a:p>
+        </p:txBody>
+      </p:sp>
+      <p:sp>
+        <p:nvSpPr>
+          <p:cNvPr id="5" name="Rectangle 3"/>
+          <p:cNvSpPr>
+            <a:spLocks noChangeArrowheads="1"/>
+          </p:cNvSpPr>
+          <p:nvPr/>
+        </p:nvSpPr>
+        <p:spPr bwMode="auto">
+          <a:xfrm>
+            <a:off x="0" y="0"/>
+            <a:ext cx="12192000" cy="457200"/>
+          </a:xfrm>
+          <a:prstGeom prst="rect">
+            <a:avLst/>
+          </a:prstGeom>
+          <a:noFill/>
+          <a:ln>
+            <a:noFill/>
+          </a:ln>
+          <a:effectLst/>
+          <a:extLst>
+            <a:ext uri="{909E8E84-426E-40DD-AFC4-6F175D3DCCD1}">
+              <a14:hiddenFill xmlns:a14="http://schemas.microsoft.com/office/drawing/2010/main">
+                <a:solidFill>
+                  <a:schemeClr val="accent1"/>
+                </a:solidFill>
+              </a14:hiddenFill>
+            </a:ext>
+            <a:ext uri="{91240B29-F687-4F45-9708-019B960494DF}">
+              <a14:hiddenLine xmlns:a14="http://schemas.microsoft.com/office/drawing/2010/main" w="9525">
+                <a:solidFill>
+                  <a:schemeClr val="tx1"/>
+                </a:solidFill>
+                <a:miter lim="800000"/>
+                <a:headEnd/>
+                <a:tailEnd/>
+              </a14:hiddenLine>
+            </a:ext>
+            <a:ext uri="{AF507438-7753-43E0-B8FC-AC1667EBCBE1}">
+              <a14:hiddenEffects xmlns:a14="http://schemas.microsoft.com/office/drawing/2010/main">
+                <a:effectLst>
+                  <a:outerShdw dist="35921" dir="2700000" algn="ctr" rotWithShape="0">
+                    <a:schemeClr val="bg2"/>
+                  </a:outerShdw>
+                </a:effectLst>
+              </a14:hiddenEffects>
+            </a:ext>
+          </a:extLst>
+        </p:spPr>
+        <p:txBody>
+          <a:bodyPr vert="horz" wrap="none" lIns="91440" tIns="45720" rIns="91440" bIns="45720" numCol="1" anchor="ctr" anchorCtr="0" compatLnSpc="1">
+            <a:prstTxWarp prst="textNoShape">
+              <a:avLst/>
+            </a:prstTxWarp>
+            <a:spAutoFit/>
+          </a:bodyPr>
+          <a:lstStyle/>
+          <a:p>
+            <a:endParaRPr lang="en-US"/>
+          </a:p>
+        </p:txBody>
+      </p:sp>
+      <p:sp>
+        <p:nvSpPr>
+          <p:cNvPr id="7" name="Rectangle 7"/>
+          <p:cNvSpPr>
+            <a:spLocks noChangeArrowheads="1"/>
+          </p:cNvSpPr>
+          <p:nvPr/>
+        </p:nvSpPr>
+        <p:spPr bwMode="auto">
+          <a:xfrm>
+            <a:off x="7125373" y="1717990"/>
+            <a:ext cx="12192000" cy="457200"/>
+          </a:xfrm>
+          <a:prstGeom prst="rect">
+            <a:avLst/>
+          </a:prstGeom>
+          <a:noFill/>
+          <a:ln>
+            <a:noFill/>
+          </a:ln>
+          <a:effectLst/>
+          <a:extLst>
+            <a:ext uri="{909E8E84-426E-40DD-AFC4-6F175D3DCCD1}">
+              <a14:hiddenFill xmlns:a14="http://schemas.microsoft.com/office/drawing/2010/main">
+                <a:solidFill>
+                  <a:schemeClr val="accent1"/>
+                </a:solidFill>
+              </a14:hiddenFill>
+            </a:ext>
+            <a:ext uri="{91240B29-F687-4F45-9708-019B960494DF}">
+              <a14:hiddenLine xmlns:a14="http://schemas.microsoft.com/office/drawing/2010/main" w="9525">
+                <a:solidFill>
+                  <a:schemeClr val="tx1"/>
+                </a:solidFill>
+                <a:miter lim="800000"/>
+                <a:headEnd/>
+                <a:tailEnd/>
+              </a14:hiddenLine>
+            </a:ext>
+            <a:ext uri="{AF507438-7753-43E0-B8FC-AC1667EBCBE1}">
+              <a14:hiddenEffects xmlns:a14="http://schemas.microsoft.com/office/drawing/2010/main">
+                <a:effectLst>
+                  <a:outerShdw dist="35921" dir="2700000" algn="ctr" rotWithShape="0">
+                    <a:schemeClr val="bg2"/>
+                  </a:outerShdw>
+                </a:effectLst>
+              </a14:hiddenEffects>
+            </a:ext>
+          </a:extLst>
+        </p:spPr>
+        <p:txBody>
+          <a:bodyPr vert="horz" wrap="none" lIns="91440" tIns="45720" rIns="91440" bIns="45720" numCol="1" anchor="ctr" anchorCtr="0" compatLnSpc="1">
+            <a:prstTxWarp prst="textNoShape">
+              <a:avLst/>
+            </a:prstTxWarp>
+            <a:spAutoFit/>
+          </a:bodyPr>
+          <a:lstStyle/>
+          <a:p>
+            <a:endParaRPr lang="en-US"/>
           </a:p>
         </p:txBody>
       </p:sp>
       <p:pic>
         <p:nvPicPr>
-          <p:cNvPr id="6" name="Content Placeholder 5"/>
+          <p:cNvPr id="3" name="Picture 60"/>
           <p:cNvPicPr>
-            <a:picLocks noGrp="1"/>
+            <a:picLocks noChangeAspect="1" noChangeArrowheads="1"/>
           </p:cNvPicPr>
-          <p:nvPr>
-            <p:ph idx="1"/>
-          </p:nvPr>
+          <p:nvPr/>
         </p:nvPicPr>
         <p:blipFill>
-          <a:blip r:embed="rId2"/>
+          <a:blip r:embed="rId2">
+            <a:extLst>
+              <a:ext uri="{28A0092B-C50C-407E-A947-70E740481C1C}">
+                <a14:useLocalDpi xmlns:a14="http://schemas.microsoft.com/office/drawing/2010/main" val="0"/>
+              </a:ext>
+            </a:extLst>
+          </a:blip>
+          <a:srcRect/>
           <a:stretch>
             <a:fillRect/>
           </a:stretch>
         </p:blipFill>
-        <p:spPr>
-          <a:xfrm>
-            <a:off x="2883141" y="2181225"/>
-            <a:ext cx="6425717" cy="3678238"/>
+        <p:spPr bwMode="auto">
+          <a:xfrm>
+            <a:off x="274507" y="2087380"/>
+            <a:ext cx="5821493" cy="4513446"/>
           </a:xfrm>
           <a:prstGeom prst="rect">
             <a:avLst/>
           </a:prstGeom>
+          <a:noFill/>
+          <a:extLst>
+            <a:ext uri="{909E8E84-426E-40DD-AFC4-6F175D3DCCD1}">
+              <a14:hiddenFill xmlns:a14="http://schemas.microsoft.com/office/drawing/2010/main">
+                <a:solidFill>
+                  <a:srgbClr val="FFFFFF"/>
+                </a:solidFill>
+              </a14:hiddenFill>
+            </a:ext>
+          </a:extLst>
         </p:spPr>
       </p:pic>
+      <p:pic>
+        <p:nvPicPr>
+          <p:cNvPr id="4" name="Picture 61"/>
+          <p:cNvPicPr>
+            <a:picLocks noChangeAspect="1" noChangeArrowheads="1"/>
+          </p:cNvPicPr>
+          <p:nvPr/>
+        </p:nvPicPr>
+        <p:blipFill>
+          <a:blip r:embed="rId3">
+            <a:extLst>
+              <a:ext uri="{28A0092B-C50C-407E-A947-70E740481C1C}">
+                <a14:useLocalDpi xmlns:a14="http://schemas.microsoft.com/office/drawing/2010/main" val="0"/>
+              </a:ext>
+            </a:extLst>
+          </a:blip>
+          <a:srcRect/>
+          <a:stretch>
+            <a:fillRect/>
+          </a:stretch>
+        </p:blipFill>
+        <p:spPr bwMode="auto">
+          <a:xfrm>
+            <a:off x="6096000" y="2087380"/>
+            <a:ext cx="5744889" cy="4437245"/>
+          </a:xfrm>
+          <a:prstGeom prst="rect">
+            <a:avLst/>
+          </a:prstGeom>
+          <a:noFill/>
+          <a:extLst>
+            <a:ext uri="{909E8E84-426E-40DD-AFC4-6F175D3DCCD1}">
+              <a14:hiddenFill xmlns:a14="http://schemas.microsoft.com/office/drawing/2010/main">
+                <a:solidFill>
+                  <a:srgbClr val="FFFFFF"/>
+                </a:solidFill>
+              </a14:hiddenFill>
+            </a:ext>
+          </a:extLst>
+        </p:spPr>
+      </p:pic>
+      <p:sp>
+        <p:nvSpPr>
+          <p:cNvPr id="6" name="Rectangle 3"/>
+          <p:cNvSpPr>
+            <a:spLocks noChangeArrowheads="1"/>
+          </p:cNvSpPr>
+          <p:nvPr/>
+        </p:nvSpPr>
+        <p:spPr bwMode="auto">
+          <a:xfrm>
+            <a:off x="4034853" y="-57462"/>
+            <a:ext cx="12192000" cy="457200"/>
+          </a:xfrm>
+          <a:prstGeom prst="rect">
+            <a:avLst/>
+          </a:prstGeom>
+          <a:noFill/>
+          <a:ln>
+            <a:noFill/>
+          </a:ln>
+          <a:effectLst/>
+          <a:extLst>
+            <a:ext uri="{909E8E84-426E-40DD-AFC4-6F175D3DCCD1}">
+              <a14:hiddenFill xmlns:a14="http://schemas.microsoft.com/office/drawing/2010/main">
+                <a:solidFill>
+                  <a:schemeClr val="accent1"/>
+                </a:solidFill>
+              </a14:hiddenFill>
+            </a:ext>
+            <a:ext uri="{91240B29-F687-4F45-9708-019B960494DF}">
+              <a14:hiddenLine xmlns:a14="http://schemas.microsoft.com/office/drawing/2010/main" w="9525">
+                <a:solidFill>
+                  <a:schemeClr val="tx1"/>
+                </a:solidFill>
+                <a:miter lim="800000"/>
+                <a:headEnd/>
+                <a:tailEnd/>
+              </a14:hiddenLine>
+            </a:ext>
+            <a:ext uri="{AF507438-7753-43E0-B8FC-AC1667EBCBE1}">
+              <a14:hiddenEffects xmlns:a14="http://schemas.microsoft.com/office/drawing/2010/main">
+                <a:effectLst>
+                  <a:outerShdw dist="35921" dir="2700000" algn="ctr" rotWithShape="0">
+                    <a:schemeClr val="bg2"/>
+                  </a:outerShdw>
+                </a:effectLst>
+              </a14:hiddenEffects>
+            </a:ext>
+          </a:extLst>
+        </p:spPr>
+        <p:txBody>
+          <a:bodyPr vert="horz" wrap="none" lIns="91440" tIns="45720" rIns="91440" bIns="45720" numCol="1" anchor="ctr" anchorCtr="0" compatLnSpc="1">
+            <a:prstTxWarp prst="textNoShape">
+              <a:avLst/>
+            </a:prstTxWarp>
+            <a:spAutoFit/>
+          </a:bodyPr>
+          <a:lstStyle/>
+          <a:p>
+            <a:endParaRPr lang="en-US"/>
+          </a:p>
+        </p:txBody>
+      </p:sp>
     </p:spTree>
     <p:extLst>
       <p:ext uri="{BB962C8B-B14F-4D97-AF65-F5344CB8AC3E}">
-        <p14:creationId xmlns:p14="http://schemas.microsoft.com/office/powerpoint/2010/main" val="3311739315"/>
+        <p14:creationId xmlns:p14="http://schemas.microsoft.com/office/powerpoint/2010/main" val="2097441539"/>
       </p:ext>
     </p:extLst>
   </p:cSld>
   <p:clrMapOvr>
     <a:masterClrMapping/>
   </p:clrMapOvr>
+  <p:timing>
+    <p:tnLst>
+      <p:par>
+        <p:cTn id="1" dur="indefinite" restart="never" nodeType="tmRoot"/>
+      </p:par>
+    </p:tnLst>
+  </p:timing>
 </p:sld>
 </file>
 
@@ -4699,7 +4953,7 @@
       </p:sp>
       <p:pic>
         <p:nvPicPr>
-          <p:cNvPr id="5" name="Content Placeholder 4"/>
+          <p:cNvPr id="6" name="Content Placeholder 5"/>
           <p:cNvPicPr>
             <a:picLocks noGrp="1"/>
           </p:cNvPicPr>
@@ -4726,7 +4980,7 @@
     </p:spTree>
     <p:extLst>
       <p:ext uri="{BB962C8B-B14F-4D97-AF65-F5344CB8AC3E}">
-        <p14:creationId xmlns:p14="http://schemas.microsoft.com/office/powerpoint/2010/main" val="2986581689"/>
+        <p14:creationId xmlns:p14="http://schemas.microsoft.com/office/powerpoint/2010/main" val="3311739315"/>
       </p:ext>
     </p:extLst>
   </p:cSld>
@@ -4778,12 +5032,12 @@
       </p:sp>
       <p:pic>
         <p:nvPicPr>
-          <p:cNvPr id="8" name="Content Placeholder 7"/>
+          <p:cNvPr id="5" name="Content Placeholder 4"/>
           <p:cNvPicPr>
-            <a:picLocks noGrp="1" noChangeAspect="1"/>
+            <a:picLocks noGrp="1"/>
           </p:cNvPicPr>
           <p:nvPr>
-            <p:ph sz="half" idx="2"/>
+            <p:ph idx="1"/>
           </p:nvPr>
         </p:nvPicPr>
         <p:blipFill>
@@ -4794,34 +5048,8 @@
         </p:blipFill>
         <p:spPr>
           <a:xfrm>
-            <a:off x="7172071" y="2227263"/>
-            <a:ext cx="3454908" cy="3633787"/>
-          </a:xfrm>
-          <a:prstGeom prst="rect">
-            <a:avLst/>
-          </a:prstGeom>
-        </p:spPr>
-      </p:pic>
-      <p:pic>
-        <p:nvPicPr>
-          <p:cNvPr id="10" name="Content Placeholder 9"/>
-          <p:cNvPicPr>
-            <a:picLocks noGrp="1"/>
-          </p:cNvPicPr>
-          <p:nvPr>
-            <p:ph sz="half" idx="1"/>
-          </p:nvPr>
-        </p:nvPicPr>
-        <p:blipFill>
-          <a:blip r:embed="rId3"/>
-          <a:stretch>
-            <a:fillRect/>
-          </a:stretch>
-        </p:blipFill>
-        <p:spPr>
-          <a:xfrm>
-            <a:off x="1565021" y="2227263"/>
-            <a:ext cx="3454908" cy="3633787"/>
+            <a:off x="2883141" y="2181225"/>
+            <a:ext cx="6425717" cy="3678238"/>
           </a:xfrm>
           <a:prstGeom prst="rect">
             <a:avLst/>
@@ -4831,7 +5059,7 @@
     </p:spTree>
     <p:extLst>
       <p:ext uri="{BB962C8B-B14F-4D97-AF65-F5344CB8AC3E}">
-        <p14:creationId xmlns:p14="http://schemas.microsoft.com/office/powerpoint/2010/main" val="3419931145"/>
+        <p14:creationId xmlns:p14="http://schemas.microsoft.com/office/powerpoint/2010/main" val="2986581689"/>
       </p:ext>
     </p:extLst>
   </p:cSld>
@@ -4875,7 +5103,7 @@
           <a:p>
             <a:r>
               <a:rPr lang="en-US" dirty="0" err="1" smtClean="0"/>
-              <a:t>Klasterovanje-kmeans</a:t>
+              <a:t>klasifikacija</a:t>
             </a:r>
             <a:endParaRPr lang="en-US" dirty="0"/>
           </a:p>
@@ -4883,12 +5111,12 @@
       </p:sp>
       <p:pic>
         <p:nvPicPr>
-          <p:cNvPr id="4" name="Content Placeholder 3"/>
+          <p:cNvPr id="8" name="Content Placeholder 7"/>
           <p:cNvPicPr>
-            <a:picLocks noGrp="1"/>
+            <a:picLocks noGrp="1" noChangeAspect="1"/>
           </p:cNvPicPr>
           <p:nvPr>
-            <p:ph idx="1"/>
+            <p:ph sz="half" idx="2"/>
           </p:nvPr>
         </p:nvPicPr>
         <p:blipFill>
@@ -4899,8 +5127,8 @@
         </p:blipFill>
         <p:spPr>
           <a:xfrm>
-            <a:off x="581192" y="1917274"/>
-            <a:ext cx="2380513" cy="4417538"/>
+            <a:off x="7172071" y="2227263"/>
+            <a:ext cx="3454908" cy="3633787"/>
           </a:xfrm>
           <a:prstGeom prst="rect">
             <a:avLst/>
@@ -4909,9 +5137,13 @@
       </p:pic>
       <p:pic>
         <p:nvPicPr>
-          <p:cNvPr id="7" name="Picture 6"/>
-          <p:cNvPicPr/>
-          <p:nvPr/>
+          <p:cNvPr id="10" name="Content Placeholder 9"/>
+          <p:cNvPicPr>
+            <a:picLocks noGrp="1"/>
+          </p:cNvPicPr>
+          <p:nvPr>
+            <p:ph sz="half" idx="1"/>
+          </p:nvPr>
         </p:nvPicPr>
         <p:blipFill>
           <a:blip r:embed="rId3"/>
@@ -4921,30 +5153,8 @@
         </p:blipFill>
         <p:spPr>
           <a:xfrm>
-            <a:off x="2961704" y="2601797"/>
-            <a:ext cx="4136679" cy="3063712"/>
-          </a:xfrm>
-          <a:prstGeom prst="rect">
-            <a:avLst/>
-          </a:prstGeom>
-        </p:spPr>
-      </p:pic>
-      <p:pic>
-        <p:nvPicPr>
-          <p:cNvPr id="8" name="Picture 7"/>
-          <p:cNvPicPr/>
-          <p:nvPr/>
-        </p:nvPicPr>
-        <p:blipFill>
-          <a:blip r:embed="rId4"/>
-          <a:stretch>
-            <a:fillRect/>
-          </a:stretch>
-        </p:blipFill>
-        <p:spPr>
-          <a:xfrm>
-            <a:off x="7380074" y="2601797"/>
-            <a:ext cx="4082920" cy="3063712"/>
+            <a:off x="1565021" y="2227263"/>
+            <a:ext cx="3454908" cy="3633787"/>
           </a:xfrm>
           <a:prstGeom prst="rect">
             <a:avLst/>
@@ -4954,7 +5164,7 @@
     </p:spTree>
     <p:extLst>
       <p:ext uri="{BB962C8B-B14F-4D97-AF65-F5344CB8AC3E}">
-        <p14:creationId xmlns:p14="http://schemas.microsoft.com/office/powerpoint/2010/main" val="1936722996"/>
+        <p14:creationId xmlns:p14="http://schemas.microsoft.com/office/powerpoint/2010/main" val="3419931145"/>
       </p:ext>
     </p:extLst>
   </p:cSld>
@@ -5006,7 +5216,7 @@
       </p:sp>
       <p:pic>
         <p:nvPicPr>
-          <p:cNvPr id="9" name="Content Placeholder 8"/>
+          <p:cNvPr id="4" name="Content Placeholder 3"/>
           <p:cNvPicPr>
             <a:picLocks noGrp="1"/>
           </p:cNvPicPr>
@@ -5022,8 +5232,8 @@
         </p:blipFill>
         <p:spPr>
           <a:xfrm>
-            <a:off x="581192" y="1987271"/>
-            <a:ext cx="2380512" cy="4498370"/>
+            <a:off x="581192" y="1917274"/>
+            <a:ext cx="2380513" cy="4417538"/>
           </a:xfrm>
           <a:prstGeom prst="rect">
             <a:avLst/>
@@ -5032,7 +5242,7 @@
       </p:pic>
       <p:pic>
         <p:nvPicPr>
-          <p:cNvPr id="10" name="Picture 9"/>
+          <p:cNvPr id="7" name="Picture 6"/>
           <p:cNvPicPr/>
           <p:nvPr/>
         </p:nvPicPr>
@@ -5044,8 +5254,8 @@
         </p:blipFill>
         <p:spPr>
           <a:xfrm>
-            <a:off x="3078793" y="2601797"/>
-            <a:ext cx="3897041" cy="3063712"/>
+            <a:off x="2961704" y="2601797"/>
+            <a:ext cx="4136679" cy="3063712"/>
           </a:xfrm>
           <a:prstGeom prst="rect">
             <a:avLst/>
@@ -5054,7 +5264,7 @@
       </p:pic>
       <p:pic>
         <p:nvPicPr>
-          <p:cNvPr id="11" name="Picture 10"/>
+          <p:cNvPr id="8" name="Picture 7"/>
           <p:cNvPicPr/>
           <p:nvPr/>
         </p:nvPicPr>
@@ -5066,8 +5276,8 @@
         </p:blipFill>
         <p:spPr>
           <a:xfrm>
-            <a:off x="7304855" y="2601797"/>
-            <a:ext cx="3828199" cy="3063712"/>
+            <a:off x="7380074" y="2601797"/>
+            <a:ext cx="4082920" cy="3063712"/>
           </a:xfrm>
           <a:prstGeom prst="rect">
             <a:avLst/>
@@ -5077,7 +5287,7 @@
     </p:spTree>
     <p:extLst>
       <p:ext uri="{BB962C8B-B14F-4D97-AF65-F5344CB8AC3E}">
-        <p14:creationId xmlns:p14="http://schemas.microsoft.com/office/powerpoint/2010/main" val="62205154"/>
+        <p14:creationId xmlns:p14="http://schemas.microsoft.com/office/powerpoint/2010/main" val="1936722996"/>
       </p:ext>
     </p:extLst>
   </p:cSld>
@@ -5121,15 +5331,7 @@
           <a:p>
             <a:r>
               <a:rPr lang="en-US" dirty="0" err="1" smtClean="0"/>
-              <a:t>Klasterovanje</a:t>
-            </a:r>
-            <a:r>
-              <a:rPr lang="en-US" dirty="0" smtClean="0"/>
-              <a:t>-fuzzy </a:t>
-            </a:r>
-            <a:r>
-              <a:rPr lang="en-US" dirty="0" err="1" smtClean="0"/>
-              <a:t>cmeans</a:t>
+              <a:t>Klasterovanje-kmeans</a:t>
             </a:r>
             <a:endParaRPr lang="en-US" dirty="0"/>
           </a:p>
@@ -5137,9 +5339,13 @@
       </p:sp>
       <p:pic>
         <p:nvPicPr>
-          <p:cNvPr id="7" name="Picture 6"/>
-          <p:cNvPicPr/>
-          <p:nvPr/>
+          <p:cNvPr id="9" name="Content Placeholder 8"/>
+          <p:cNvPicPr>
+            <a:picLocks noGrp="1"/>
+          </p:cNvPicPr>
+          <p:nvPr>
+            <p:ph idx="1"/>
+          </p:nvPr>
         </p:nvPicPr>
         <p:blipFill>
           <a:blip r:embed="rId2"/>
@@ -5149,8 +5355,8 @@
         </p:blipFill>
         <p:spPr>
           <a:xfrm>
-            <a:off x="581192" y="2234152"/>
-            <a:ext cx="4611296" cy="3855564"/>
+            <a:off x="581192" y="1987271"/>
+            <a:ext cx="2380512" cy="4498370"/>
           </a:xfrm>
           <a:prstGeom prst="rect">
             <a:avLst/>
@@ -5159,7 +5365,7 @@
       </p:pic>
       <p:pic>
         <p:nvPicPr>
-          <p:cNvPr id="8" name="Picture 7"/>
+          <p:cNvPr id="10" name="Picture 9"/>
           <p:cNvPicPr/>
           <p:nvPr/>
         </p:nvPicPr>
@@ -5171,8 +5377,30 @@
         </p:blipFill>
         <p:spPr>
           <a:xfrm>
-            <a:off x="6065805" y="2234152"/>
-            <a:ext cx="4737313" cy="3855564"/>
+            <a:off x="3078793" y="2601797"/>
+            <a:ext cx="3897041" cy="3063712"/>
+          </a:xfrm>
+          <a:prstGeom prst="rect">
+            <a:avLst/>
+          </a:prstGeom>
+        </p:spPr>
+      </p:pic>
+      <p:pic>
+        <p:nvPicPr>
+          <p:cNvPr id="11" name="Picture 10"/>
+          <p:cNvPicPr/>
+          <p:nvPr/>
+        </p:nvPicPr>
+        <p:blipFill>
+          <a:blip r:embed="rId4"/>
+          <a:stretch>
+            <a:fillRect/>
+          </a:stretch>
+        </p:blipFill>
+        <p:spPr>
+          <a:xfrm>
+            <a:off x="7304855" y="2601797"/>
+            <a:ext cx="3828199" cy="3063712"/>
           </a:xfrm>
           <a:prstGeom prst="rect">
             <a:avLst/>
@@ -5182,7 +5410,7 @@
     </p:spTree>
     <p:extLst>
       <p:ext uri="{BB962C8B-B14F-4D97-AF65-F5344CB8AC3E}">
-        <p14:creationId xmlns:p14="http://schemas.microsoft.com/office/powerpoint/2010/main" val="4194869009"/>
+        <p14:creationId xmlns:p14="http://schemas.microsoft.com/office/powerpoint/2010/main" val="62205154"/>
       </p:ext>
     </p:extLst>
   </p:cSld>
@@ -6172,7 +6400,15 @@
           <a:p>
             <a:r>
               <a:rPr lang="en-US" dirty="0" err="1" smtClean="0"/>
-              <a:t>Klasterovanje-dbscan</a:t>
+              <a:t>Klasterovanje</a:t>
+            </a:r>
+            <a:r>
+              <a:rPr lang="en-US" dirty="0" smtClean="0"/>
+              <a:t>-fuzzy </a:t>
+            </a:r>
+            <a:r>
+              <a:rPr lang="en-US" dirty="0" err="1" smtClean="0"/>
+              <a:t>cmeans</a:t>
             </a:r>
             <a:endParaRPr lang="en-US" dirty="0"/>
           </a:p>
@@ -6180,7 +6416,7 @@
       </p:sp>
       <p:pic>
         <p:nvPicPr>
-          <p:cNvPr id="5" name="Picture 4"/>
+          <p:cNvPr id="7" name="Picture 6"/>
           <p:cNvPicPr/>
           <p:nvPr/>
         </p:nvPicPr>
@@ -6192,8 +6428,8 @@
         </p:blipFill>
         <p:spPr>
           <a:xfrm>
-            <a:off x="5335571" y="2401714"/>
-            <a:ext cx="6275237" cy="3544479"/>
+            <a:off x="581192" y="2234152"/>
+            <a:ext cx="4611296" cy="3855564"/>
           </a:xfrm>
           <a:prstGeom prst="rect">
             <a:avLst/>
@@ -6202,7 +6438,7 @@
       </p:pic>
       <p:pic>
         <p:nvPicPr>
-          <p:cNvPr id="6" name="Picture 5"/>
+          <p:cNvPr id="8" name="Picture 7"/>
           <p:cNvPicPr/>
           <p:nvPr/>
         </p:nvPicPr>
@@ -6214,8 +6450,8 @@
         </p:blipFill>
         <p:spPr>
           <a:xfrm>
-            <a:off x="581192" y="2401714"/>
-            <a:ext cx="4371975" cy="3520440"/>
+            <a:off x="6065805" y="2234152"/>
+            <a:ext cx="4737313" cy="3855564"/>
           </a:xfrm>
           <a:prstGeom prst="rect">
             <a:avLst/>
@@ -6225,7 +6461,7 @@
     </p:spTree>
     <p:extLst>
       <p:ext uri="{BB962C8B-B14F-4D97-AF65-F5344CB8AC3E}">
-        <p14:creationId xmlns:p14="http://schemas.microsoft.com/office/powerpoint/2010/main" val="2350461985"/>
+        <p14:creationId xmlns:p14="http://schemas.microsoft.com/office/powerpoint/2010/main" val="4194869009"/>
       </p:ext>
     </p:extLst>
   </p:cSld>
@@ -6269,6 +6505,103 @@
           <a:p>
             <a:r>
               <a:rPr lang="en-US" dirty="0" err="1" smtClean="0"/>
+              <a:t>Klasterovanje-dbscan</a:t>
+            </a:r>
+            <a:endParaRPr lang="en-US" dirty="0"/>
+          </a:p>
+        </p:txBody>
+      </p:sp>
+      <p:pic>
+        <p:nvPicPr>
+          <p:cNvPr id="5" name="Picture 4"/>
+          <p:cNvPicPr/>
+          <p:nvPr/>
+        </p:nvPicPr>
+        <p:blipFill>
+          <a:blip r:embed="rId2"/>
+          <a:stretch>
+            <a:fillRect/>
+          </a:stretch>
+        </p:blipFill>
+        <p:spPr>
+          <a:xfrm>
+            <a:off x="5335571" y="2401714"/>
+            <a:ext cx="6275237" cy="3544479"/>
+          </a:xfrm>
+          <a:prstGeom prst="rect">
+            <a:avLst/>
+          </a:prstGeom>
+        </p:spPr>
+      </p:pic>
+      <p:pic>
+        <p:nvPicPr>
+          <p:cNvPr id="6" name="Picture 5"/>
+          <p:cNvPicPr/>
+          <p:nvPr/>
+        </p:nvPicPr>
+        <p:blipFill>
+          <a:blip r:embed="rId3"/>
+          <a:stretch>
+            <a:fillRect/>
+          </a:stretch>
+        </p:blipFill>
+        <p:spPr>
+          <a:xfrm>
+            <a:off x="581192" y="2401714"/>
+            <a:ext cx="4371975" cy="3520440"/>
+          </a:xfrm>
+          <a:prstGeom prst="rect">
+            <a:avLst/>
+          </a:prstGeom>
+        </p:spPr>
+      </p:pic>
+    </p:spTree>
+    <p:extLst>
+      <p:ext uri="{BB962C8B-B14F-4D97-AF65-F5344CB8AC3E}">
+        <p14:creationId xmlns:p14="http://schemas.microsoft.com/office/powerpoint/2010/main" val="2350461985"/>
+      </p:ext>
+    </p:extLst>
+  </p:cSld>
+  <p:clrMapOvr>
+    <a:masterClrMapping/>
+  </p:clrMapOvr>
+</p:sld>
+</file>
+
+<file path=ppt/slides/slide22.xml><?xml version="1.0" encoding="utf-8"?>
+<p:sld xmlns:a="http://schemas.openxmlformats.org/drawingml/2006/main" xmlns:r="http://schemas.openxmlformats.org/officeDocument/2006/relationships" xmlns:p="http://schemas.openxmlformats.org/presentationml/2006/main">
+  <p:cSld>
+    <p:spTree>
+      <p:nvGrpSpPr>
+        <p:cNvPr id="1" name=""/>
+        <p:cNvGrpSpPr/>
+        <p:nvPr/>
+      </p:nvGrpSpPr>
+      <p:grpSpPr>
+        <a:xfrm>
+          <a:off x="0" y="0"/>
+          <a:ext cx="0" cy="0"/>
+          <a:chOff x="0" y="0"/>
+          <a:chExt cx="0" cy="0"/>
+        </a:xfrm>
+      </p:grpSpPr>
+      <p:sp>
+        <p:nvSpPr>
+          <p:cNvPr id="2" name="Title 1"/>
+          <p:cNvSpPr>
+            <a:spLocks noGrp="1"/>
+          </p:cNvSpPr>
+          <p:nvPr>
+            <p:ph type="title"/>
+          </p:nvPr>
+        </p:nvSpPr>
+        <p:spPr/>
+        <p:txBody>
+          <a:bodyPr/>
+          <a:lstStyle/>
+          <a:p>
+            <a:r>
+              <a:rPr lang="en-US" dirty="0" err="1" smtClean="0"/>
               <a:t>Pravila</a:t>
             </a:r>
             <a:r>
@@ -6348,7 +6681,98 @@
 </p:sld>
 </file>
 
-<file path=ppt/slides/slide22.xml><?xml version="1.0" encoding="utf-8"?>
+<file path=ppt/slides/slide23.xml><?xml version="1.0" encoding="utf-8"?>
+<p:sld xmlns:a="http://schemas.openxmlformats.org/drawingml/2006/main" xmlns:r="http://schemas.openxmlformats.org/officeDocument/2006/relationships" xmlns:p="http://schemas.openxmlformats.org/presentationml/2006/main">
+  <p:cSld>
+    <p:spTree>
+      <p:nvGrpSpPr>
+        <p:cNvPr id="1" name=""/>
+        <p:cNvGrpSpPr/>
+        <p:nvPr/>
+      </p:nvGrpSpPr>
+      <p:grpSpPr>
+        <a:xfrm>
+          <a:off x="0" y="0"/>
+          <a:ext cx="0" cy="0"/>
+          <a:chOff x="0" y="0"/>
+          <a:chExt cx="0" cy="0"/>
+        </a:xfrm>
+      </p:grpSpPr>
+      <p:sp>
+        <p:nvSpPr>
+          <p:cNvPr id="2" name="Title 1"/>
+          <p:cNvSpPr>
+            <a:spLocks noGrp="1"/>
+          </p:cNvSpPr>
+          <p:nvPr>
+            <p:ph type="title"/>
+          </p:nvPr>
+        </p:nvSpPr>
+        <p:spPr/>
+        <p:txBody>
+          <a:bodyPr/>
+          <a:lstStyle/>
+          <a:p>
+            <a:r>
+              <a:rPr lang="en-US" dirty="0" err="1" smtClean="0"/>
+              <a:t>Pravila</a:t>
+            </a:r>
+            <a:r>
+              <a:rPr lang="en-US" dirty="0" smtClean="0"/>
+              <a:t> </a:t>
+            </a:r>
+            <a:r>
+              <a:rPr lang="en-US" dirty="0" err="1" smtClean="0"/>
+              <a:t>pridru</a:t>
+            </a:r>
+            <a:r>
+              <a:rPr lang="sr-Latn-RS" dirty="0" smtClean="0"/>
+              <a:t>živanja-apriori</a:t>
+            </a:r>
+            <a:endParaRPr lang="en-US" dirty="0"/>
+          </a:p>
+        </p:txBody>
+      </p:sp>
+      <p:pic>
+        <p:nvPicPr>
+          <p:cNvPr id="6" name="Content Placeholder 5"/>
+          <p:cNvPicPr>
+            <a:picLocks noGrp="1"/>
+          </p:cNvPicPr>
+          <p:nvPr>
+            <p:ph idx="1"/>
+          </p:nvPr>
+        </p:nvPicPr>
+        <p:blipFill>
+          <a:blip r:embed="rId2"/>
+          <a:stretch>
+            <a:fillRect/>
+          </a:stretch>
+        </p:blipFill>
+        <p:spPr>
+          <a:xfrm>
+            <a:off x="1036354" y="2181225"/>
+            <a:ext cx="10119291" cy="3678238"/>
+          </a:xfrm>
+          <a:prstGeom prst="rect">
+            <a:avLst/>
+          </a:prstGeom>
+        </p:spPr>
+      </p:pic>
+    </p:spTree>
+    <p:extLst>
+      <p:ext uri="{BB962C8B-B14F-4D97-AF65-F5344CB8AC3E}">
+        <p14:creationId xmlns:p14="http://schemas.microsoft.com/office/powerpoint/2010/main" val="3455690786"/>
+      </p:ext>
+    </p:extLst>
+  </p:cSld>
+  <p:clrMapOvr>
+    <a:masterClrMapping/>
+  </p:clrMapOvr>
+</p:sld>
+</file>
+
+<file path=ppt/slides/slide24.xml><?xml version="1.0" encoding="utf-8"?>
 <p:sld xmlns:a="http://schemas.openxmlformats.org/drawingml/2006/main" xmlns:r="http://schemas.openxmlformats.org/officeDocument/2006/relationships" xmlns:p="http://schemas.openxmlformats.org/presentationml/2006/main">
   <p:cSld>
     <p:spTree>
@@ -6968,7 +7392,7 @@
         </p:blipFill>
         <p:spPr>
           <a:xfrm>
-            <a:off x="3472589" y="1964407"/>
+            <a:off x="3429977" y="1890470"/>
             <a:ext cx="5332045" cy="4672063"/>
           </a:xfrm>
           <a:prstGeom prst="rect">
